--- a/UX Design/Tarefas Paginas HTML.pptx
+++ b/UX Design/Tarefas Paginas HTML.pptx
@@ -107,6 +107,11 @@
       </a:defRPr>
     </a:lvl9pPr>
   </p:defaultTextStyle>
+  <p:extLst>
+    <p:ext uri="{EFAFB233-063F-42B5-8137-9DF3F51BA10A}">
+      <p15:sldGuideLst xmlns:p15="http://schemas.microsoft.com/office/powerpoint/2012/main"/>
+    </p:ext>
+  </p:extLst>
 </p:presentation>
 </file>
 
@@ -259,7 +264,7 @@
           <a:p>
             <a:fld id="{F771E110-024F-6649-B8A3-0A1C60E70F91}" type="datetimeFigureOut">
               <a:rPr lang="en-GB" smtClean="0"/>
-              <a:t>26/02/2021</a:t>
+              <a:t>28/02/2021</a:t>
             </a:fld>
             <a:endParaRPr lang="en-GB"/>
           </a:p>
@@ -313,7 +318,7 @@
           <a:p>
             <a:fld id="{03D92C23-23B4-9847-ADDF-AE51E5F8F1A1}" type="slidenum">
               <a:rPr lang="en-GB" smtClean="0"/>
-              <a:t>‹nº›</a:t>
+              <a:t>‹#›</a:t>
             </a:fld>
             <a:endParaRPr lang="en-GB"/>
           </a:p>
@@ -459,7 +464,7 @@
           <a:p>
             <a:fld id="{F771E110-024F-6649-B8A3-0A1C60E70F91}" type="datetimeFigureOut">
               <a:rPr lang="en-GB" smtClean="0"/>
-              <a:t>26/02/2021</a:t>
+              <a:t>28/02/2021</a:t>
             </a:fld>
             <a:endParaRPr lang="en-GB"/>
           </a:p>
@@ -513,7 +518,7 @@
           <a:p>
             <a:fld id="{03D92C23-23B4-9847-ADDF-AE51E5F8F1A1}" type="slidenum">
               <a:rPr lang="en-GB" smtClean="0"/>
-              <a:t>‹nº›</a:t>
+              <a:t>‹#›</a:t>
             </a:fld>
             <a:endParaRPr lang="en-GB"/>
           </a:p>
@@ -669,7 +674,7 @@
           <a:p>
             <a:fld id="{F771E110-024F-6649-B8A3-0A1C60E70F91}" type="datetimeFigureOut">
               <a:rPr lang="en-GB" smtClean="0"/>
-              <a:t>26/02/2021</a:t>
+              <a:t>28/02/2021</a:t>
             </a:fld>
             <a:endParaRPr lang="en-GB"/>
           </a:p>
@@ -723,7 +728,7 @@
           <a:p>
             <a:fld id="{03D92C23-23B4-9847-ADDF-AE51E5F8F1A1}" type="slidenum">
               <a:rPr lang="en-GB" smtClean="0"/>
-              <a:t>‹nº›</a:t>
+              <a:t>‹#›</a:t>
             </a:fld>
             <a:endParaRPr lang="en-GB"/>
           </a:p>
@@ -869,7 +874,7 @@
           <a:p>
             <a:fld id="{F771E110-024F-6649-B8A3-0A1C60E70F91}" type="datetimeFigureOut">
               <a:rPr lang="en-GB" smtClean="0"/>
-              <a:t>26/02/2021</a:t>
+              <a:t>28/02/2021</a:t>
             </a:fld>
             <a:endParaRPr lang="en-GB"/>
           </a:p>
@@ -923,7 +928,7 @@
           <a:p>
             <a:fld id="{03D92C23-23B4-9847-ADDF-AE51E5F8F1A1}" type="slidenum">
               <a:rPr lang="en-GB" smtClean="0"/>
-              <a:t>‹nº›</a:t>
+              <a:t>‹#›</a:t>
             </a:fld>
             <a:endParaRPr lang="en-GB"/>
           </a:p>
@@ -1145,7 +1150,7 @@
           <a:p>
             <a:fld id="{F771E110-024F-6649-B8A3-0A1C60E70F91}" type="datetimeFigureOut">
               <a:rPr lang="en-GB" smtClean="0"/>
-              <a:t>26/02/2021</a:t>
+              <a:t>28/02/2021</a:t>
             </a:fld>
             <a:endParaRPr lang="en-GB"/>
           </a:p>
@@ -1199,7 +1204,7 @@
           <a:p>
             <a:fld id="{03D92C23-23B4-9847-ADDF-AE51E5F8F1A1}" type="slidenum">
               <a:rPr lang="en-GB" smtClean="0"/>
-              <a:t>‹nº›</a:t>
+              <a:t>‹#›</a:t>
             </a:fld>
             <a:endParaRPr lang="en-GB"/>
           </a:p>
@@ -1413,7 +1418,7 @@
           <a:p>
             <a:fld id="{F771E110-024F-6649-B8A3-0A1C60E70F91}" type="datetimeFigureOut">
               <a:rPr lang="en-GB" smtClean="0"/>
-              <a:t>26/02/2021</a:t>
+              <a:t>28/02/2021</a:t>
             </a:fld>
             <a:endParaRPr lang="en-GB"/>
           </a:p>
@@ -1467,7 +1472,7 @@
           <a:p>
             <a:fld id="{03D92C23-23B4-9847-ADDF-AE51E5F8F1A1}" type="slidenum">
               <a:rPr lang="en-GB" smtClean="0"/>
-              <a:t>‹nº›</a:t>
+              <a:t>‹#›</a:t>
             </a:fld>
             <a:endParaRPr lang="en-GB"/>
           </a:p>
@@ -1828,7 +1833,7 @@
           <a:p>
             <a:fld id="{F771E110-024F-6649-B8A3-0A1C60E70F91}" type="datetimeFigureOut">
               <a:rPr lang="en-GB" smtClean="0"/>
-              <a:t>26/02/2021</a:t>
+              <a:t>28/02/2021</a:t>
             </a:fld>
             <a:endParaRPr lang="en-GB"/>
           </a:p>
@@ -1882,7 +1887,7 @@
           <a:p>
             <a:fld id="{03D92C23-23B4-9847-ADDF-AE51E5F8F1A1}" type="slidenum">
               <a:rPr lang="en-GB" smtClean="0"/>
-              <a:t>‹nº›</a:t>
+              <a:t>‹#›</a:t>
             </a:fld>
             <a:endParaRPr lang="en-GB"/>
           </a:p>
@@ -1970,7 +1975,7 @@
           <a:p>
             <a:fld id="{F771E110-024F-6649-B8A3-0A1C60E70F91}" type="datetimeFigureOut">
               <a:rPr lang="en-GB" smtClean="0"/>
-              <a:t>26/02/2021</a:t>
+              <a:t>28/02/2021</a:t>
             </a:fld>
             <a:endParaRPr lang="en-GB"/>
           </a:p>
@@ -2024,7 +2029,7 @@
           <a:p>
             <a:fld id="{03D92C23-23B4-9847-ADDF-AE51E5F8F1A1}" type="slidenum">
               <a:rPr lang="en-GB" smtClean="0"/>
-              <a:t>‹nº›</a:t>
+              <a:t>‹#›</a:t>
             </a:fld>
             <a:endParaRPr lang="en-GB"/>
           </a:p>
@@ -2083,7 +2088,7 @@
           <a:p>
             <a:fld id="{F771E110-024F-6649-B8A3-0A1C60E70F91}" type="datetimeFigureOut">
               <a:rPr lang="en-GB" smtClean="0"/>
-              <a:t>26/02/2021</a:t>
+              <a:t>28/02/2021</a:t>
             </a:fld>
             <a:endParaRPr lang="en-GB"/>
           </a:p>
@@ -2137,7 +2142,7 @@
           <a:p>
             <a:fld id="{03D92C23-23B4-9847-ADDF-AE51E5F8F1A1}" type="slidenum">
               <a:rPr lang="en-GB" smtClean="0"/>
-              <a:t>‹nº›</a:t>
+              <a:t>‹#›</a:t>
             </a:fld>
             <a:endParaRPr lang="en-GB"/>
           </a:p>
@@ -2396,7 +2401,7 @@
           <a:p>
             <a:fld id="{F771E110-024F-6649-B8A3-0A1C60E70F91}" type="datetimeFigureOut">
               <a:rPr lang="en-GB" smtClean="0"/>
-              <a:t>26/02/2021</a:t>
+              <a:t>28/02/2021</a:t>
             </a:fld>
             <a:endParaRPr lang="en-GB"/>
           </a:p>
@@ -2450,7 +2455,7 @@
           <a:p>
             <a:fld id="{03D92C23-23B4-9847-ADDF-AE51E5F8F1A1}" type="slidenum">
               <a:rPr lang="en-GB" smtClean="0"/>
-              <a:t>‹nº›</a:t>
+              <a:t>‹#›</a:t>
             </a:fld>
             <a:endParaRPr lang="en-GB"/>
           </a:p>
@@ -2685,7 +2690,7 @@
           <a:p>
             <a:fld id="{F771E110-024F-6649-B8A3-0A1C60E70F91}" type="datetimeFigureOut">
               <a:rPr lang="en-GB" smtClean="0"/>
-              <a:t>26/02/2021</a:t>
+              <a:t>28/02/2021</a:t>
             </a:fld>
             <a:endParaRPr lang="en-GB"/>
           </a:p>
@@ -2739,7 +2744,7 @@
           <a:p>
             <a:fld id="{03D92C23-23B4-9847-ADDF-AE51E5F8F1A1}" type="slidenum">
               <a:rPr lang="en-GB" smtClean="0"/>
-              <a:t>‹nº›</a:t>
+              <a:t>‹#›</a:t>
             </a:fld>
             <a:endParaRPr lang="en-GB"/>
           </a:p>
@@ -2928,7 +2933,7 @@
           <a:p>
             <a:fld id="{F771E110-024F-6649-B8A3-0A1C60E70F91}" type="datetimeFigureOut">
               <a:rPr lang="en-GB" smtClean="0"/>
-              <a:t>26/02/2021</a:t>
+              <a:t>28/02/2021</a:t>
             </a:fld>
             <a:endParaRPr lang="en-GB"/>
           </a:p>
@@ -3018,7 +3023,7 @@
           <a:p>
             <a:fld id="{03D92C23-23B4-9847-ADDF-AE51E5F8F1A1}" type="slidenum">
               <a:rPr lang="en-GB" smtClean="0"/>
-              <a:t>‹nº›</a:t>
+              <a:t>‹#›</a:t>
             </a:fld>
             <a:endParaRPr lang="en-GB"/>
           </a:p>
@@ -3498,10 +3503,18 @@
               <a:t>, </a:t>
             </a:r>
             <a:r>
-              <a:rPr lang="en-GB" sz="1200" dirty="0" err="1"/>
+              <a:rPr lang="en-GB" sz="1200" b="1" dirty="0" err="1">
+                <a:solidFill>
+                  <a:srgbClr val="FF0000"/>
+                </a:solidFill>
+              </a:rPr>
               <a:t>medicamentos</a:t>
             </a:r>
-            <a:endParaRPr lang="en-GB" sz="1200" dirty="0"/>
+            <a:endParaRPr lang="en-GB" sz="1200" b="1" dirty="0">
+              <a:solidFill>
+                <a:srgbClr val="FF0000"/>
+              </a:solidFill>
+            </a:endParaRPr>
           </a:p>
         </p:txBody>
       </p:sp>
@@ -3785,7 +3798,53 @@
           <a:p>
             <a:r>
               <a:rPr lang="pt-BR" dirty="0"/>
-              <a:t>Médico: </a:t>
+              <a:t>Médico</a:t>
+            </a:r>
+            <a:r>
+              <a:rPr lang="pt-BR" dirty="0">
+                <a:solidFill>
+                  <a:srgbClr val="FF0000"/>
+                </a:solidFill>
+              </a:rPr>
+              <a:t>: </a:t>
+            </a:r>
+            <a:r>
+              <a:rPr lang="pt-BR" dirty="0" err="1">
+                <a:solidFill>
+                  <a:srgbClr val="FF0000"/>
+                </a:solidFill>
+              </a:rPr>
+              <a:t>info</a:t>
+            </a:r>
+            <a:r>
+              <a:rPr lang="pt-BR" dirty="0">
+                <a:solidFill>
+                  <a:srgbClr val="FF0000"/>
+                </a:solidFill>
+              </a:rPr>
+              <a:t> da consulta</a:t>
+            </a:r>
+            <a:r>
+              <a:rPr lang="pt-BR" dirty="0"/>
+              <a:t>, visualizar </a:t>
+            </a:r>
+            <a:r>
+              <a:rPr lang="pt-BR" dirty="0" err="1"/>
+              <a:t>proximos</a:t>
+            </a:r>
+            <a:r>
+              <a:rPr lang="pt-BR" dirty="0"/>
+              <a:t> utentes(lista de espera),</a:t>
+            </a:r>
+          </a:p>
+          <a:p>
+            <a:r>
+              <a:rPr lang="pt-BR" dirty="0" err="1"/>
+              <a:t>historico</a:t>
+            </a:r>
+            <a:r>
+              <a:rPr lang="pt-BR" dirty="0"/>
+              <a:t> + </a:t>
             </a:r>
             <a:r>
               <a:rPr lang="pt-BR" dirty="0" err="1"/>
@@ -3793,32 +3852,6 @@
             </a:r>
             <a:r>
               <a:rPr lang="pt-BR" dirty="0"/>
-              <a:t> da consulta, visualizar </a:t>
-            </a:r>
-            <a:r>
-              <a:rPr lang="pt-BR" dirty="0" err="1"/>
-              <a:t>proximos</a:t>
-            </a:r>
-            <a:r>
-              <a:rPr lang="pt-BR" dirty="0"/>
-              <a:t> utentes(lista de espera),</a:t>
-            </a:r>
-          </a:p>
-          <a:p>
-            <a:r>
-              <a:rPr lang="pt-BR" dirty="0" err="1"/>
-              <a:t>historico</a:t>
-            </a:r>
-            <a:r>
-              <a:rPr lang="pt-BR" dirty="0"/>
-              <a:t> + </a:t>
-            </a:r>
-            <a:r>
-              <a:rPr lang="pt-BR" dirty="0" err="1"/>
-              <a:t>info</a:t>
-            </a:r>
-            <a:r>
-              <a:rPr lang="pt-BR" dirty="0"/>
               <a:t> de consultas dadas, </a:t>
             </a:r>
           </a:p>
@@ -3834,11 +3867,19 @@
               <a:t> </a:t>
             </a:r>
             <a:r>
-              <a:rPr lang="pt-BR" dirty="0" err="1"/>
+              <a:rPr lang="pt-BR" dirty="0" err="1">
+                <a:solidFill>
+                  <a:srgbClr val="FF0000"/>
+                </a:solidFill>
+              </a:rPr>
               <a:t>Dashboard</a:t>
             </a:r>
             <a:r>
-              <a:rPr lang="pt-BR" dirty="0"/>
+              <a:rPr lang="pt-BR" dirty="0">
+                <a:solidFill>
+                  <a:srgbClr val="FF0000"/>
+                </a:solidFill>
+              </a:rPr>
               <a:t> Utente: </a:t>
             </a:r>
             <a:r>
